--- a/Presentation.pptx
+++ b/Presentation.pptx
@@ -6,6 +6,8 @@
   </p:sldMasterIdLst>
   <p:sldIdLst>
     <p:sldId id="257" r:id="rId2"/>
+    <p:sldId id="259" r:id="rId3"/>
+    <p:sldId id="258" r:id="rId4"/>
   </p:sldIdLst>
   <p:sldSz cx="12192000" cy="6858000"/>
   <p:notesSz cx="6858000" cy="9144000"/>
@@ -3156,7 +3158,7 @@
         </p:blipFill>
         <p:spPr>
           <a:xfrm>
-            <a:off x="4735342" y="584201"/>
+            <a:off x="4735342" y="565151"/>
             <a:ext cx="2720353" cy="1259575"/>
           </a:xfrm>
           <a:prstGeom prst="rect">
@@ -3172,10 +3174,735 @@
       </p:pic>
       <p:sp>
         <p:nvSpPr>
-          <p:cNvPr id="4" name="Oval 3">
+          <p:cNvPr id="5" name="TextBox 4">
             <a:extLst>
               <a:ext uri="{FF2B5EF4-FFF2-40B4-BE49-F238E27FC236}">
-                <a16:creationId xmlns:a16="http://schemas.microsoft.com/office/drawing/2014/main" id="{5E33C362-CA9C-862B-2100-46863EECBE88}"/>
+                <a16:creationId xmlns:a16="http://schemas.microsoft.com/office/drawing/2014/main" id="{E5E1B85A-6524-BCE6-45A8-69DB46154585}"/>
+              </a:ext>
+            </a:extLst>
+          </p:cNvPr>
+          <p:cNvSpPr txBox="1"/>
+          <p:nvPr/>
+        </p:nvSpPr>
+        <p:spPr>
+          <a:xfrm>
+            <a:off x="4268561" y="4332514"/>
+            <a:ext cx="283028" cy="400110"/>
+          </a:xfrm>
+          <a:prstGeom prst="rect">
+            <a:avLst/>
+          </a:prstGeom>
+          <a:solidFill>
+            <a:srgbClr val="34709E"/>
+          </a:solidFill>
+          <a:ln>
+            <a:noFill/>
+          </a:ln>
+        </p:spPr>
+        <p:txBody>
+          <a:bodyPr wrap="square" rtlCol="0">
+            <a:spAutoFit/>
+          </a:bodyPr>
+          <a:lstStyle/>
+          <a:p>
+            <a:r>
+              <a:rPr lang="en-US" sz="2000" b="1" dirty="0">
+                <a:solidFill>
+                  <a:schemeClr val="bg1"/>
+                </a:solidFill>
+              </a:rPr>
+              <a:t>8</a:t>
+            </a:r>
+            <a:endParaRPr lang="en-US" b="1" dirty="0">
+              <a:solidFill>
+                <a:schemeClr val="bg1"/>
+              </a:solidFill>
+            </a:endParaRPr>
+          </a:p>
+        </p:txBody>
+      </p:sp>
+      <p:pic>
+        <p:nvPicPr>
+          <p:cNvPr id="8" name="Picture 7" descr="Under The Sea Milestone sign Ocean 1st Birthday Stats Poster image 1">
+            <a:extLst>
+              <a:ext uri="{FF2B5EF4-FFF2-40B4-BE49-F238E27FC236}">
+                <a16:creationId xmlns:a16="http://schemas.microsoft.com/office/drawing/2014/main" id="{2F75B762-9C23-857C-CCA7-36587F908DCB}"/>
+              </a:ext>
+            </a:extLst>
+          </p:cNvPr>
+          <p:cNvPicPr>
+            <a:picLocks noChangeAspect="1"/>
+          </p:cNvPicPr>
+          <p:nvPr/>
+        </p:nvPicPr>
+        <p:blipFill rotWithShape="1">
+          <a:blip r:embed="rId2"/>
+          <a:srcRect l="61011" t="15404" r="34116" b="74907"/>
+          <a:stretch/>
+        </p:blipFill>
+        <p:spPr>
+          <a:xfrm rot="10800000">
+            <a:off x="5143775" y="4865913"/>
+            <a:ext cx="1751086" cy="609601"/>
+          </a:xfrm>
+          <a:prstGeom prst="rect">
+            <a:avLst/>
+          </a:prstGeom>
+          <a:ln>
+            <a:noFill/>
+          </a:ln>
+          <a:effectLst>
+            <a:glow rad="88900">
+              <a:srgbClr val="C1DCE7"/>
+            </a:glow>
+            <a:reflection blurRad="533400" stA="54000" dist="63500" dir="5400000" sy="-100000" algn="bl" rotWithShape="0"/>
+            <a:softEdge rad="317500"/>
+          </a:effectLst>
+        </p:spPr>
+      </p:pic>
+      <p:sp>
+        <p:nvSpPr>
+          <p:cNvPr id="12" name="TextBox 11">
+            <a:extLst>
+              <a:ext uri="{FF2B5EF4-FFF2-40B4-BE49-F238E27FC236}">
+                <a16:creationId xmlns:a16="http://schemas.microsoft.com/office/drawing/2014/main" id="{6AEEEB6C-AA9F-C2CA-77F5-265ABA252C1C}"/>
+              </a:ext>
+            </a:extLst>
+          </p:cNvPr>
+          <p:cNvSpPr txBox="1"/>
+          <p:nvPr/>
+        </p:nvSpPr>
+        <p:spPr>
+          <a:xfrm>
+            <a:off x="5246914" y="4865913"/>
+            <a:ext cx="1545772" cy="276999"/>
+          </a:xfrm>
+          <a:prstGeom prst="rect">
+            <a:avLst/>
+          </a:prstGeom>
+          <a:noFill/>
+        </p:spPr>
+        <p:txBody>
+          <a:bodyPr wrap="square" rtlCol="0">
+            <a:spAutoFit/>
+          </a:bodyPr>
+          <a:lstStyle/>
+          <a:p>
+            <a:r>
+              <a:rPr lang="en-US" sz="1200" b="1" dirty="0">
+                <a:solidFill>
+                  <a:srgbClr val="4C91A3"/>
+                </a:solidFill>
+                <a:latin typeface="Monotype Corsiva" panose="03010101010201010101" pitchFamily="66" charset="0"/>
+              </a:rPr>
+              <a:t>I love you, Go dog go!</a:t>
+            </a:r>
+          </a:p>
+        </p:txBody>
+      </p:sp>
+      <p:pic>
+        <p:nvPicPr>
+          <p:cNvPr id="14" name="Picture 13" descr="Under The Sea Milestone sign Ocean 1st Birthday Stats Poster image 1">
+            <a:extLst>
+              <a:ext uri="{FF2B5EF4-FFF2-40B4-BE49-F238E27FC236}">
+                <a16:creationId xmlns:a16="http://schemas.microsoft.com/office/drawing/2014/main" id="{F07E49B1-521B-A0ED-2A81-D316C300F297}"/>
+              </a:ext>
+            </a:extLst>
+          </p:cNvPr>
+          <p:cNvPicPr>
+            <a:picLocks noChangeAspect="1"/>
+          </p:cNvPicPr>
+          <p:nvPr/>
+        </p:nvPicPr>
+        <p:blipFill rotWithShape="1">
+          <a:blip r:embed="rId2"/>
+          <a:srcRect l="61011" t="15404" r="34116" b="74907"/>
+          <a:stretch/>
+        </p:blipFill>
+        <p:spPr>
+          <a:xfrm rot="10800000">
+            <a:off x="7097484" y="2510115"/>
+            <a:ext cx="1404258" cy="494342"/>
+          </a:xfrm>
+          <a:prstGeom prst="rect">
+            <a:avLst/>
+          </a:prstGeom>
+          <a:ln>
+            <a:noFill/>
+          </a:ln>
+          <a:effectLst>
+            <a:softEdge rad="112500"/>
+          </a:effectLst>
+        </p:spPr>
+      </p:pic>
+      <p:sp>
+        <p:nvSpPr>
+          <p:cNvPr id="16" name="TextBox 15">
+            <a:extLst>
+              <a:ext uri="{FF2B5EF4-FFF2-40B4-BE49-F238E27FC236}">
+                <a16:creationId xmlns:a16="http://schemas.microsoft.com/office/drawing/2014/main" id="{4542884C-0635-2E52-B97B-A8B574A2E925}"/>
+              </a:ext>
+            </a:extLst>
+          </p:cNvPr>
+          <p:cNvSpPr txBox="1"/>
+          <p:nvPr/>
+        </p:nvSpPr>
+        <p:spPr>
+          <a:xfrm>
+            <a:off x="7097485" y="2553660"/>
+            <a:ext cx="1382486" cy="461665"/>
+          </a:xfrm>
+          <a:prstGeom prst="rect">
+            <a:avLst/>
+          </a:prstGeom>
+          <a:noFill/>
+        </p:spPr>
+        <p:txBody>
+          <a:bodyPr wrap="square" rtlCol="0">
+            <a:spAutoFit/>
+          </a:bodyPr>
+          <a:lstStyle/>
+          <a:p>
+            <a:r>
+              <a:rPr lang="en-US" sz="1200" dirty="0">
+                <a:solidFill>
+                  <a:srgbClr val="34709E"/>
+                </a:solidFill>
+              </a:rPr>
+              <a:t>Amma, Nana, Amamma, Go</a:t>
+            </a:r>
+          </a:p>
+        </p:txBody>
+      </p:sp>
+      <p:pic>
+        <p:nvPicPr>
+          <p:cNvPr id="17" name="Picture 16" descr="Under The Sea Milestone sign Ocean 1st Birthday Stats Poster image 1">
+            <a:extLst>
+              <a:ext uri="{FF2B5EF4-FFF2-40B4-BE49-F238E27FC236}">
+                <a16:creationId xmlns:a16="http://schemas.microsoft.com/office/drawing/2014/main" id="{878B7055-744D-EE0E-DB59-8E1C011F6516}"/>
+              </a:ext>
+            </a:extLst>
+          </p:cNvPr>
+          <p:cNvPicPr>
+            <a:picLocks noChangeAspect="1"/>
+          </p:cNvPicPr>
+          <p:nvPr/>
+        </p:nvPicPr>
+        <p:blipFill rotWithShape="1">
+          <a:blip r:embed="rId2"/>
+          <a:srcRect l="61011" t="15404" r="34116" b="74907"/>
+          <a:stretch/>
+        </p:blipFill>
+        <p:spPr>
+          <a:xfrm rot="10800000">
+            <a:off x="7086596" y="4483557"/>
+            <a:ext cx="1602117" cy="741811"/>
+          </a:xfrm>
+          <a:prstGeom prst="rect">
+            <a:avLst/>
+          </a:prstGeom>
+          <a:ln>
+            <a:noFill/>
+          </a:ln>
+          <a:effectLst>
+            <a:softEdge rad="112500"/>
+          </a:effectLst>
+        </p:spPr>
+      </p:pic>
+      <p:sp>
+        <p:nvSpPr>
+          <p:cNvPr id="19" name="TextBox 18">
+            <a:extLst>
+              <a:ext uri="{FF2B5EF4-FFF2-40B4-BE49-F238E27FC236}">
+                <a16:creationId xmlns:a16="http://schemas.microsoft.com/office/drawing/2014/main" id="{2D2CA133-52D8-B2B9-CCBC-7A17DBEAD22B}"/>
+              </a:ext>
+            </a:extLst>
+          </p:cNvPr>
+          <p:cNvSpPr txBox="1"/>
+          <p:nvPr/>
+        </p:nvSpPr>
+        <p:spPr>
+          <a:xfrm>
+            <a:off x="7097484" y="4582886"/>
+            <a:ext cx="1404258" cy="769441"/>
+          </a:xfrm>
+          <a:prstGeom prst="rect">
+            <a:avLst/>
+          </a:prstGeom>
+          <a:noFill/>
+        </p:spPr>
+        <p:txBody>
+          <a:bodyPr wrap="square" rtlCol="0">
+            <a:spAutoFit/>
+          </a:bodyPr>
+          <a:lstStyle/>
+          <a:p>
+            <a:r>
+              <a:rPr lang="en-US" sz="1100" b="1" dirty="0">
+                <a:solidFill>
+                  <a:srgbClr val="34709E"/>
+                </a:solidFill>
+              </a:rPr>
+              <a:t>TWINKLE TWINKLE LITTLE STAR,</a:t>
+            </a:r>
+          </a:p>
+          <a:p>
+            <a:r>
+              <a:rPr lang="en-US" sz="1100" b="1" dirty="0">
+                <a:solidFill>
+                  <a:srgbClr val="34709E"/>
+                </a:solidFill>
+              </a:rPr>
+              <a:t>WHEELS ON THE BUS</a:t>
+            </a:r>
+          </a:p>
+        </p:txBody>
+      </p:sp>
+      <p:pic>
+        <p:nvPicPr>
+          <p:cNvPr id="20" name="Picture 19" descr="Under The Sea Milestone sign Ocean 1st Birthday Stats Poster image 1">
+            <a:extLst>
+              <a:ext uri="{FF2B5EF4-FFF2-40B4-BE49-F238E27FC236}">
+                <a16:creationId xmlns:a16="http://schemas.microsoft.com/office/drawing/2014/main" id="{CC2C4C1E-4B2E-4F5A-31A8-5087687011EB}"/>
+              </a:ext>
+            </a:extLst>
+          </p:cNvPr>
+          <p:cNvPicPr>
+            <a:picLocks noChangeAspect="1"/>
+          </p:cNvPicPr>
+          <p:nvPr/>
+        </p:nvPicPr>
+        <p:blipFill rotWithShape="1">
+          <a:blip r:embed="rId2"/>
+          <a:srcRect l="61011" t="15404" r="34116" b="74907"/>
+          <a:stretch/>
+        </p:blipFill>
+        <p:spPr>
+          <a:xfrm rot="10800000">
+            <a:off x="7075710" y="3450219"/>
+            <a:ext cx="1382486" cy="640117"/>
+          </a:xfrm>
+          <a:prstGeom prst="rect">
+            <a:avLst/>
+          </a:prstGeom>
+          <a:ln>
+            <a:noFill/>
+          </a:ln>
+          <a:effectLst>
+            <a:reflection blurRad="177800" stA="45000" endPos="65000" dist="50800" dir="5400000" sy="-100000" algn="bl" rotWithShape="0"/>
+            <a:softEdge rad="112500"/>
+          </a:effectLst>
+        </p:spPr>
+      </p:pic>
+      <p:sp>
+        <p:nvSpPr>
+          <p:cNvPr id="21" name="TextBox 20">
+            <a:extLst>
+              <a:ext uri="{FF2B5EF4-FFF2-40B4-BE49-F238E27FC236}">
+                <a16:creationId xmlns:a16="http://schemas.microsoft.com/office/drawing/2014/main" id="{6B021804-4C06-1882-DDD9-ED725F2A8251}"/>
+              </a:ext>
+            </a:extLst>
+          </p:cNvPr>
+          <p:cNvSpPr txBox="1"/>
+          <p:nvPr/>
+        </p:nvSpPr>
+        <p:spPr>
+          <a:xfrm>
+            <a:off x="7119255" y="3559628"/>
+            <a:ext cx="1536800" cy="523220"/>
+          </a:xfrm>
+          <a:prstGeom prst="rect">
+            <a:avLst/>
+          </a:prstGeom>
+          <a:noFill/>
+        </p:spPr>
+        <p:txBody>
+          <a:bodyPr wrap="square" rtlCol="0">
+            <a:spAutoFit/>
+          </a:bodyPr>
+          <a:lstStyle/>
+          <a:p>
+            <a:r>
+              <a:rPr lang="en-US" sz="1400" b="1" dirty="0">
+                <a:solidFill>
+                  <a:srgbClr val="637477"/>
+                </a:solidFill>
+                <a:latin typeface="Dreaming Outloud Pro" panose="03050502040302030504" pitchFamily="66" charset="0"/>
+                <a:cs typeface="Dreaming Outloud Pro" panose="03050502040302030504" pitchFamily="66" charset="0"/>
+              </a:rPr>
+              <a:t>Peach, Bananas, Avocado</a:t>
+            </a:r>
+          </a:p>
+        </p:txBody>
+      </p:sp>
+      <p:pic>
+        <p:nvPicPr>
+          <p:cNvPr id="25" name="Picture 24" descr="Under The Sea Milestone sign Ocean 1st Birthday Stats Poster image 1">
+            <a:extLst>
+              <a:ext uri="{FF2B5EF4-FFF2-40B4-BE49-F238E27FC236}">
+                <a16:creationId xmlns:a16="http://schemas.microsoft.com/office/drawing/2014/main" id="{43F1EA81-5C64-A4CF-DAB9-AD6164D4B17A}"/>
+              </a:ext>
+            </a:extLst>
+          </p:cNvPr>
+          <p:cNvPicPr>
+            <a:picLocks noChangeAspect="1"/>
+          </p:cNvPicPr>
+          <p:nvPr/>
+        </p:nvPicPr>
+        <p:blipFill rotWithShape="1">
+          <a:blip r:embed="rId2"/>
+          <a:srcRect l="37015" t="56888" r="60153" b="30859"/>
+          <a:stretch/>
+        </p:blipFill>
+        <p:spPr>
+          <a:xfrm rot="16200000">
+            <a:off x="6372663" y="3688546"/>
+            <a:ext cx="160593" cy="555900"/>
+          </a:xfrm>
+          <a:prstGeom prst="rect">
+            <a:avLst/>
+          </a:prstGeom>
+          <a:effectLst>
+            <a:glow rad="50800">
+              <a:srgbClr val="BEDAE6"/>
+            </a:glow>
+            <a:reflection blurRad="38100" stA="50000" endPos="65000" dist="25400" dir="5400000" sy="-100000" algn="bl" rotWithShape="0"/>
+            <a:softEdge rad="12700"/>
+          </a:effectLst>
+        </p:spPr>
+      </p:pic>
+    </p:spTree>
+    <p:extLst>
+      <p:ext uri="{BB962C8B-B14F-4D97-AF65-F5344CB8AC3E}">
+        <p14:creationId xmlns:p14="http://schemas.microsoft.com/office/powerpoint/2010/main" val="2233812746"/>
+      </p:ext>
+    </p:extLst>
+  </p:cSld>
+  <p:clrMapOvr>
+    <a:masterClrMapping/>
+  </p:clrMapOvr>
+</p:sld>
+</file>
+
+<file path=ppt/slides/slide2.xml><?xml version="1.0" encoding="utf-8"?>
+<p:sld xmlns:a="http://schemas.openxmlformats.org/drawingml/2006/main" xmlns:r="http://schemas.openxmlformats.org/officeDocument/2006/relationships" xmlns:p="http://schemas.openxmlformats.org/presentationml/2006/main">
+  <p:cSld>
+    <p:spTree>
+      <p:nvGrpSpPr>
+        <p:cNvPr id="1" name=""/>
+        <p:cNvGrpSpPr/>
+        <p:nvPr/>
+      </p:nvGrpSpPr>
+      <p:grpSpPr>
+        <a:xfrm>
+          <a:off x="0" y="0"/>
+          <a:ext cx="0" cy="0"/>
+          <a:chOff x="0" y="0"/>
+          <a:chExt cx="0" cy="0"/>
+        </a:xfrm>
+      </p:grpSpPr>
+      <p:pic>
+        <p:nvPicPr>
+          <p:cNvPr id="2" name="Picture 1" descr="Under The Sea Milestone sign Ocean 1st Birthday Stats Poster image 1">
+            <a:extLst>
+              <a:ext uri="{FF2B5EF4-FFF2-40B4-BE49-F238E27FC236}">
+                <a16:creationId xmlns:a16="http://schemas.microsoft.com/office/drawing/2014/main" id="{5A7BCC5B-5FC7-4597-246D-E625AFDD4C9F}"/>
+              </a:ext>
+            </a:extLst>
+          </p:cNvPr>
+          <p:cNvPicPr>
+            <a:picLocks noChangeAspect="1"/>
+          </p:cNvPicPr>
+          <p:nvPr/>
+        </p:nvPicPr>
+        <p:blipFill rotWithShape="1">
+          <a:blip r:embed="rId2"/>
+          <a:srcRect l="23423" t="4556" r="21622" b="9567"/>
+          <a:stretch/>
+        </p:blipFill>
+        <p:spPr>
+          <a:xfrm>
+            <a:off x="3349921" y="-4234"/>
+            <a:ext cx="5492158" cy="6866467"/>
+          </a:xfrm>
+          <a:prstGeom prst="rect">
+            <a:avLst/>
+          </a:prstGeom>
+        </p:spPr>
+      </p:pic>
+      <p:pic>
+        <p:nvPicPr>
+          <p:cNvPr id="3" name="Picture 2" descr="Under The Sea Milestone sign Ocean 1st Birthday Stats Poster image 1">
+            <a:extLst>
+              <a:ext uri="{FF2B5EF4-FFF2-40B4-BE49-F238E27FC236}">
+                <a16:creationId xmlns:a16="http://schemas.microsoft.com/office/drawing/2014/main" id="{BD6A0031-3A32-25CC-4405-38B8D440CFD0}"/>
+              </a:ext>
+            </a:extLst>
+          </p:cNvPr>
+          <p:cNvPicPr>
+            <a:picLocks noChangeAspect="1"/>
+          </p:cNvPicPr>
+          <p:nvPr/>
+        </p:nvPicPr>
+        <p:blipFill rotWithShape="1">
+          <a:blip r:embed="rId2"/>
+          <a:srcRect l="61011" t="15404" r="34116" b="74907"/>
+          <a:stretch/>
+        </p:blipFill>
+        <p:spPr>
+          <a:xfrm>
+            <a:off x="4735342" y="565151"/>
+            <a:ext cx="2720353" cy="1259575"/>
+          </a:xfrm>
+          <a:prstGeom prst="rect">
+            <a:avLst/>
+          </a:prstGeom>
+          <a:ln>
+            <a:noFill/>
+          </a:ln>
+          <a:effectLst>
+            <a:reflection blurRad="1270000" stA="45000" endPos="65000" dist="50800" dir="5400000" sy="-100000" algn="bl" rotWithShape="0"/>
+            <a:softEdge rad="112500"/>
+          </a:effectLst>
+        </p:spPr>
+      </p:pic>
+      <p:sp>
+        <p:nvSpPr>
+          <p:cNvPr id="4" name="TextBox 3">
+            <a:extLst>
+              <a:ext uri="{FF2B5EF4-FFF2-40B4-BE49-F238E27FC236}">
+                <a16:creationId xmlns:a16="http://schemas.microsoft.com/office/drawing/2014/main" id="{CA5A0F88-AE00-06CB-3059-6DAAAAE75618}"/>
+              </a:ext>
+            </a:extLst>
+          </p:cNvPr>
+          <p:cNvSpPr txBox="1"/>
+          <p:nvPr/>
+        </p:nvSpPr>
+        <p:spPr>
+          <a:xfrm>
+            <a:off x="4268561" y="4332514"/>
+            <a:ext cx="283028" cy="400110"/>
+          </a:xfrm>
+          <a:prstGeom prst="rect">
+            <a:avLst/>
+          </a:prstGeom>
+          <a:solidFill>
+            <a:srgbClr val="34709E"/>
+          </a:solidFill>
+          <a:ln>
+            <a:noFill/>
+          </a:ln>
+        </p:spPr>
+        <p:txBody>
+          <a:bodyPr wrap="square" rtlCol="0">
+            <a:spAutoFit/>
+          </a:bodyPr>
+          <a:lstStyle/>
+          <a:p>
+            <a:r>
+              <a:rPr lang="en-US" sz="2000" b="1" dirty="0">
+                <a:solidFill>
+                  <a:schemeClr val="bg1"/>
+                </a:solidFill>
+              </a:rPr>
+              <a:t>8</a:t>
+            </a:r>
+            <a:endParaRPr lang="en-US" b="1" dirty="0">
+              <a:solidFill>
+                <a:schemeClr val="bg1"/>
+              </a:solidFill>
+            </a:endParaRPr>
+          </a:p>
+        </p:txBody>
+      </p:sp>
+      <p:pic>
+        <p:nvPicPr>
+          <p:cNvPr id="5" name="Picture 4" descr="Under The Sea Milestone sign Ocean 1st Birthday Stats Poster image 1">
+            <a:extLst>
+              <a:ext uri="{FF2B5EF4-FFF2-40B4-BE49-F238E27FC236}">
+                <a16:creationId xmlns:a16="http://schemas.microsoft.com/office/drawing/2014/main" id="{53FCC390-AD19-AC0A-0165-DB6E546EBC78}"/>
+              </a:ext>
+            </a:extLst>
+          </p:cNvPr>
+          <p:cNvPicPr>
+            <a:picLocks noChangeAspect="1"/>
+          </p:cNvPicPr>
+          <p:nvPr/>
+        </p:nvPicPr>
+        <p:blipFill rotWithShape="1">
+          <a:blip r:embed="rId2"/>
+          <a:srcRect l="61011" t="15404" r="34116" b="74907"/>
+          <a:stretch/>
+        </p:blipFill>
+        <p:spPr>
+          <a:xfrm rot="10800000">
+            <a:off x="5143775" y="5055047"/>
+            <a:ext cx="1751086" cy="609601"/>
+          </a:xfrm>
+          <a:prstGeom prst="rect">
+            <a:avLst/>
+          </a:prstGeom>
+          <a:ln>
+            <a:noFill/>
+          </a:ln>
+          <a:effectLst>
+            <a:glow rad="88900">
+              <a:srgbClr val="C1DCE7"/>
+            </a:glow>
+            <a:reflection blurRad="533400" stA="54000" dist="63500" dir="5400000" sy="-100000" algn="bl" rotWithShape="0"/>
+            <a:softEdge rad="317500"/>
+          </a:effectLst>
+        </p:spPr>
+      </p:pic>
+      <p:sp>
+        <p:nvSpPr>
+          <p:cNvPr id="6" name="TextBox 5">
+            <a:extLst>
+              <a:ext uri="{FF2B5EF4-FFF2-40B4-BE49-F238E27FC236}">
+                <a16:creationId xmlns:a16="http://schemas.microsoft.com/office/drawing/2014/main" id="{D9E513A1-F097-7770-CE58-3AC950CF5C73}"/>
+              </a:ext>
+            </a:extLst>
+          </p:cNvPr>
+          <p:cNvSpPr txBox="1"/>
+          <p:nvPr/>
+        </p:nvSpPr>
+        <p:spPr>
+          <a:xfrm>
+            <a:off x="5246914" y="4865913"/>
+            <a:ext cx="1545772" cy="276999"/>
+          </a:xfrm>
+          <a:prstGeom prst="rect">
+            <a:avLst/>
+          </a:prstGeom>
+          <a:noFill/>
+        </p:spPr>
+        <p:txBody>
+          <a:bodyPr wrap="square" rtlCol="0">
+            <a:spAutoFit/>
+          </a:bodyPr>
+          <a:lstStyle/>
+          <a:p>
+            <a:r>
+              <a:rPr lang="en-US" sz="1200" b="1" dirty="0">
+                <a:solidFill>
+                  <a:srgbClr val="4C91A3"/>
+                </a:solidFill>
+                <a:latin typeface="Monotype Corsiva" panose="03010101010201010101" pitchFamily="66" charset="0"/>
+              </a:rPr>
+              <a:t>I love you, Go dog go!</a:t>
+            </a:r>
+          </a:p>
+        </p:txBody>
+      </p:sp>
+      <p:pic>
+        <p:nvPicPr>
+          <p:cNvPr id="9" name="Picture 8" descr="Under The Sea Milestone sign Ocean 1st Birthday Stats Poster image 1">
+            <a:extLst>
+              <a:ext uri="{FF2B5EF4-FFF2-40B4-BE49-F238E27FC236}">
+                <a16:creationId xmlns:a16="http://schemas.microsoft.com/office/drawing/2014/main" id="{41B6F452-A9FC-8B7C-CB2E-467648718A88}"/>
+              </a:ext>
+            </a:extLst>
+          </p:cNvPr>
+          <p:cNvPicPr>
+            <a:picLocks noChangeAspect="1"/>
+          </p:cNvPicPr>
+          <p:nvPr/>
+        </p:nvPicPr>
+        <p:blipFill rotWithShape="1">
+          <a:blip r:embed="rId2"/>
+          <a:srcRect l="61011" t="15404" r="34116" b="74907"/>
+          <a:stretch/>
+        </p:blipFill>
+        <p:spPr>
+          <a:xfrm rot="10800000">
+            <a:off x="1082138" y="2675606"/>
+            <a:ext cx="1751086" cy="609601"/>
+          </a:xfrm>
+          <a:prstGeom prst="rect">
+            <a:avLst/>
+          </a:prstGeom>
+          <a:ln>
+            <a:noFill/>
+          </a:ln>
+          <a:effectLst>
+            <a:glow rad="88900">
+              <a:srgbClr val="C1DCE7"/>
+            </a:glow>
+            <a:reflection blurRad="533400" stA="54000" dist="63500" dir="5400000" sy="-100000" algn="bl" rotWithShape="0"/>
+            <a:softEdge rad="317500"/>
+          </a:effectLst>
+        </p:spPr>
+      </p:pic>
+      <p:pic>
+        <p:nvPicPr>
+          <p:cNvPr id="10" name="Picture 9">
+            <a:extLst>
+              <a:ext uri="{FF2B5EF4-FFF2-40B4-BE49-F238E27FC236}">
+                <a16:creationId xmlns:a16="http://schemas.microsoft.com/office/drawing/2014/main" id="{2C057E7A-D8CC-EF16-7D03-D5BFB6CFF81E}"/>
+              </a:ext>
+            </a:extLst>
+          </p:cNvPr>
+          <p:cNvPicPr>
+            <a:picLocks noChangeAspect="1"/>
+          </p:cNvPicPr>
+          <p:nvPr/>
+        </p:nvPicPr>
+        <p:blipFill>
+          <a:blip r:embed="rId3"/>
+          <a:stretch>
+            <a:fillRect/>
+          </a:stretch>
+        </p:blipFill>
+        <p:spPr>
+          <a:xfrm>
+            <a:off x="6150600" y="3889362"/>
+            <a:ext cx="746949" cy="161642"/>
+          </a:xfrm>
+          <a:prstGeom prst="rect">
+            <a:avLst/>
+          </a:prstGeom>
+          <a:effectLst>
+            <a:reflection blurRad="63500" stA="45000" endPos="65000" dist="50800" dir="5400000" sy="-100000" algn="bl" rotWithShape="0"/>
+            <a:softEdge rad="25400"/>
+          </a:effectLst>
+        </p:spPr>
+      </p:pic>
+    </p:spTree>
+    <p:extLst>
+      <p:ext uri="{BB962C8B-B14F-4D97-AF65-F5344CB8AC3E}">
+        <p14:creationId xmlns:p14="http://schemas.microsoft.com/office/powerpoint/2010/main" val="2458385009"/>
+      </p:ext>
+    </p:extLst>
+  </p:cSld>
+  <p:clrMapOvr>
+    <a:masterClrMapping/>
+  </p:clrMapOvr>
+</p:sld>
+</file>
+
+<file path=ppt/slides/slide3.xml><?xml version="1.0" encoding="utf-8"?>
+<p:sld xmlns:a="http://schemas.openxmlformats.org/drawingml/2006/main" xmlns:r="http://schemas.openxmlformats.org/officeDocument/2006/relationships" xmlns:p="http://schemas.openxmlformats.org/presentationml/2006/main">
+  <p:cSld>
+    <p:spTree>
+      <p:nvGrpSpPr>
+        <p:cNvPr id="1" name=""/>
+        <p:cNvGrpSpPr/>
+        <p:nvPr/>
+      </p:nvGrpSpPr>
+      <p:grpSpPr>
+        <a:xfrm>
+          <a:off x="0" y="0"/>
+          <a:ext cx="0" cy="0"/>
+          <a:chOff x="0" y="0"/>
+          <a:chExt cx="0" cy="0"/>
+        </a:xfrm>
+      </p:grpSpPr>
+      <p:sp>
+        <p:nvSpPr>
+          <p:cNvPr id="2" name="Oval 1">
+            <a:extLst>
+              <a:ext uri="{FF2B5EF4-FFF2-40B4-BE49-F238E27FC236}">
+                <a16:creationId xmlns:a16="http://schemas.microsoft.com/office/drawing/2014/main" id="{B2C4FC9A-5298-70FD-168E-89704C12311C}"/>
               </a:ext>
             </a:extLst>
           </p:cNvPr>
@@ -3184,15 +3911,32 @@
         </p:nvSpPr>
         <p:spPr>
           <a:xfrm>
-            <a:off x="4000571" y="2282764"/>
+            <a:off x="4028772" y="2293649"/>
             <a:ext cx="826313" cy="871739"/>
           </a:xfrm>
           <a:prstGeom prst="ellipse">
             <a:avLst/>
           </a:prstGeom>
-          <a:solidFill>
-            <a:srgbClr val="2973DB"/>
-          </a:solidFill>
+          <a:gradFill>
+            <a:gsLst>
+              <a:gs pos="0">
+                <a:srgbClr val="2870DF"/>
+              </a:gs>
+              <a:gs pos="45000">
+                <a:srgbClr val="9AC1EF"/>
+              </a:gs>
+              <a:gs pos="83000">
+                <a:schemeClr val="accent1">
+                  <a:lumMod val="45000"/>
+                  <a:lumOff val="55000"/>
+                </a:schemeClr>
+              </a:gs>
+              <a:gs pos="100000">
+                <a:srgbClr val="9CCDE6"/>
+              </a:gs>
+            </a:gsLst>
+            <a:lin ang="600000" scaled="0"/>
+          </a:gradFill>
           <a:ln>
             <a:noFill/>
           </a:ln>
@@ -3324,7 +4068,7 @@
     </p:spTree>
     <p:extLst>
       <p:ext uri="{BB962C8B-B14F-4D97-AF65-F5344CB8AC3E}">
-        <p14:creationId xmlns:p14="http://schemas.microsoft.com/office/powerpoint/2010/main" val="2233812746"/>
+        <p14:creationId xmlns:p14="http://schemas.microsoft.com/office/powerpoint/2010/main" val="1966970591"/>
       </p:ext>
     </p:extLst>
   </p:cSld>

--- a/Presentation.pptx
+++ b/Presentation.pptx
@@ -3158,7 +3158,7 @@
         </p:blipFill>
         <p:spPr>
           <a:xfrm>
-            <a:off x="4735342" y="565151"/>
+            <a:off x="4735342" y="546101"/>
             <a:ext cx="2720353" cy="1259575"/>
           </a:xfrm>
           <a:prstGeom prst="rect">
@@ -3218,85 +3218,6 @@
                 <a:schemeClr val="bg1"/>
               </a:solidFill>
             </a:endParaRPr>
-          </a:p>
-        </p:txBody>
-      </p:sp>
-      <p:pic>
-        <p:nvPicPr>
-          <p:cNvPr id="8" name="Picture 7" descr="Under The Sea Milestone sign Ocean 1st Birthday Stats Poster image 1">
-            <a:extLst>
-              <a:ext uri="{FF2B5EF4-FFF2-40B4-BE49-F238E27FC236}">
-                <a16:creationId xmlns:a16="http://schemas.microsoft.com/office/drawing/2014/main" id="{2F75B762-9C23-857C-CCA7-36587F908DCB}"/>
-              </a:ext>
-            </a:extLst>
-          </p:cNvPr>
-          <p:cNvPicPr>
-            <a:picLocks noChangeAspect="1"/>
-          </p:cNvPicPr>
-          <p:nvPr/>
-        </p:nvPicPr>
-        <p:blipFill rotWithShape="1">
-          <a:blip r:embed="rId2"/>
-          <a:srcRect l="61011" t="15404" r="34116" b="74907"/>
-          <a:stretch/>
-        </p:blipFill>
-        <p:spPr>
-          <a:xfrm rot="10800000">
-            <a:off x="5143775" y="4865913"/>
-            <a:ext cx="1751086" cy="609601"/>
-          </a:xfrm>
-          <a:prstGeom prst="rect">
-            <a:avLst/>
-          </a:prstGeom>
-          <a:ln>
-            <a:noFill/>
-          </a:ln>
-          <a:effectLst>
-            <a:glow rad="88900">
-              <a:srgbClr val="C1DCE7"/>
-            </a:glow>
-            <a:reflection blurRad="533400" stA="54000" dist="63500" dir="5400000" sy="-100000" algn="bl" rotWithShape="0"/>
-            <a:softEdge rad="317500"/>
-          </a:effectLst>
-        </p:spPr>
-      </p:pic>
-      <p:sp>
-        <p:nvSpPr>
-          <p:cNvPr id="12" name="TextBox 11">
-            <a:extLst>
-              <a:ext uri="{FF2B5EF4-FFF2-40B4-BE49-F238E27FC236}">
-                <a16:creationId xmlns:a16="http://schemas.microsoft.com/office/drawing/2014/main" id="{6AEEEB6C-AA9F-C2CA-77F5-265ABA252C1C}"/>
-              </a:ext>
-            </a:extLst>
-          </p:cNvPr>
-          <p:cNvSpPr txBox="1"/>
-          <p:nvPr/>
-        </p:nvSpPr>
-        <p:spPr>
-          <a:xfrm>
-            <a:off x="5246914" y="4865913"/>
-            <a:ext cx="1545772" cy="276999"/>
-          </a:xfrm>
-          <a:prstGeom prst="rect">
-            <a:avLst/>
-          </a:prstGeom>
-          <a:noFill/>
-        </p:spPr>
-        <p:txBody>
-          <a:bodyPr wrap="square" rtlCol="0">
-            <a:spAutoFit/>
-          </a:bodyPr>
-          <a:lstStyle/>
-          <a:p>
-            <a:r>
-              <a:rPr lang="en-US" sz="1200" b="1" dirty="0">
-                <a:solidFill>
-                  <a:srgbClr val="4C91A3"/>
-                </a:solidFill>
-                <a:latin typeface="Monotype Corsiva" panose="03010101010201010101" pitchFamily="66" charset="0"/>
-              </a:rPr>
-              <a:t>I love you, Go dog go!</a:t>
-            </a:r>
           </a:p>
         </p:txBody>
       </p:sp>
@@ -3556,7 +3477,7 @@
         </p:blipFill>
         <p:spPr>
           <a:xfrm rot="16200000">
-            <a:off x="6372663" y="3688546"/>
+            <a:off x="6372663" y="3677660"/>
             <a:ext cx="160593" cy="555900"/>
           </a:xfrm>
           <a:prstGeom prst="rect">
@@ -3566,11 +3487,102 @@
             <a:glow rad="50800">
               <a:srgbClr val="BEDAE6"/>
             </a:glow>
+            <a:outerShdw blurRad="50800" dist="50800" dir="5400000" sx="1000" sy="1000" algn="ctr" rotWithShape="0">
+              <a:srgbClr val="000000"/>
+            </a:outerShdw>
             <a:reflection blurRad="38100" stA="50000" endPos="65000" dist="25400" dir="5400000" sy="-100000" algn="bl" rotWithShape="0"/>
             <a:softEdge rad="12700"/>
           </a:effectLst>
         </p:spPr>
       </p:pic>
+      <p:pic>
+        <p:nvPicPr>
+          <p:cNvPr id="6" name="Picture 5" descr="Under The Sea Milestone sign Ocean 1st Birthday Stats Poster image 1">
+            <a:extLst>
+              <a:ext uri="{FF2B5EF4-FFF2-40B4-BE49-F238E27FC236}">
+                <a16:creationId xmlns:a16="http://schemas.microsoft.com/office/drawing/2014/main" id="{06037729-A81F-5123-6803-177898B61A77}"/>
+              </a:ext>
+            </a:extLst>
+          </p:cNvPr>
+          <p:cNvPicPr>
+            <a:picLocks noChangeAspect="1"/>
+          </p:cNvPicPr>
+          <p:nvPr/>
+        </p:nvPicPr>
+        <p:blipFill rotWithShape="1">
+          <a:blip r:embed="rId3">
+            <a:extLst>
+              <a:ext uri="{BEBA8EAE-BF5A-486C-A8C5-ECC9F3942E4B}">
+                <a14:imgProps xmlns:a14="http://schemas.microsoft.com/office/drawing/2010/main">
+                  <a14:imgLayer r:embed="rId4">
+                    <a14:imgEffect>
+                      <a14:sharpenSoften amount="15000"/>
+                    </a14:imgEffect>
+                  </a14:imgLayer>
+                </a14:imgProps>
+              </a:ext>
+            </a:extLst>
+          </a:blip>
+          <a:srcRect l="37115" t="55777" r="59835" b="33357"/>
+          <a:stretch/>
+        </p:blipFill>
+        <p:spPr>
+          <a:xfrm rot="16200000">
+            <a:off x="5773341" y="4387912"/>
+            <a:ext cx="531018" cy="1513558"/>
+          </a:xfrm>
+          <a:prstGeom prst="rect">
+            <a:avLst/>
+          </a:prstGeom>
+          <a:effectLst>
+            <a:glow>
+              <a:srgbClr val="AED5E7"/>
+            </a:glow>
+            <a:reflection blurRad="533400" stA="50000" dist="50800" dir="5400000" sy="-100000" algn="bl" rotWithShape="0"/>
+            <a:softEdge rad="50800"/>
+          </a:effectLst>
+        </p:spPr>
+      </p:pic>
+      <p:sp>
+        <p:nvSpPr>
+          <p:cNvPr id="7" name="TextBox 6">
+            <a:extLst>
+              <a:ext uri="{FF2B5EF4-FFF2-40B4-BE49-F238E27FC236}">
+                <a16:creationId xmlns:a16="http://schemas.microsoft.com/office/drawing/2014/main" id="{50B55F38-CD79-FA40-005B-A430044E59AF}"/>
+              </a:ext>
+            </a:extLst>
+          </p:cNvPr>
+          <p:cNvSpPr txBox="1"/>
+          <p:nvPr/>
+        </p:nvSpPr>
+        <p:spPr>
+          <a:xfrm>
+            <a:off x="5272545" y="4885250"/>
+            <a:ext cx="1510615" cy="523220"/>
+          </a:xfrm>
+          <a:prstGeom prst="rect">
+            <a:avLst/>
+          </a:prstGeom>
+          <a:noFill/>
+        </p:spPr>
+        <p:txBody>
+          <a:bodyPr wrap="square" rtlCol="0">
+            <a:spAutoFit/>
+          </a:bodyPr>
+          <a:lstStyle/>
+          <a:p>
+            <a:r>
+              <a:rPr lang="en-US" sz="1400" b="1" dirty="0">
+                <a:solidFill>
+                  <a:srgbClr val="637477"/>
+                </a:solidFill>
+                <a:latin typeface="Monotype Corsiva" panose="03010101010201010101" pitchFamily="66" charset="0"/>
+              </a:rPr>
+              <a:t>I love you, Go dog go!</a:t>
+            </a:r>
+          </a:p>
+        </p:txBody>
+      </p:sp>
     </p:spTree>
     <p:extLst>
       <p:ext uri="{BB962C8B-B14F-4D97-AF65-F5344CB8AC3E}">
@@ -3768,7 +3780,7 @@
         </p:nvSpPr>
         <p:spPr>
           <a:xfrm>
-            <a:off x="5246914" y="4865913"/>
+            <a:off x="5246914" y="4894775"/>
             <a:ext cx="1545772" cy="276999"/>
           </a:xfrm>
           <a:prstGeom prst="rect">
